--- a/document/THUYẾT TRÌNH.pptx
+++ b/document/THUYẾT TRÌNH.pptx
@@ -5,7 +5,7 @@
     <p:sldMasterId id="2147483667" r:id="rId1"/>
   </p:sldMasterIdLst>
   <p:notesMasterIdLst>
-    <p:notesMasterId r:id="rId13"/>
+    <p:notesMasterId r:id="rId14"/>
   </p:notesMasterIdLst>
   <p:sldIdLst>
     <p:sldId id="256" r:id="rId2"/>
@@ -15,56 +15,57 @@
     <p:sldId id="299" r:id="rId6"/>
     <p:sldId id="300" r:id="rId7"/>
     <p:sldId id="301" r:id="rId8"/>
-    <p:sldId id="302" r:id="rId9"/>
-    <p:sldId id="304" r:id="rId10"/>
-    <p:sldId id="305" r:id="rId11"/>
-    <p:sldId id="274" r:id="rId12"/>
+    <p:sldId id="306" r:id="rId9"/>
+    <p:sldId id="302" r:id="rId10"/>
+    <p:sldId id="304" r:id="rId11"/>
+    <p:sldId id="305" r:id="rId12"/>
+    <p:sldId id="274" r:id="rId13"/>
   </p:sldIdLst>
   <p:sldSz cx="9144000" cy="5143500" type="screen16x9"/>
   <p:notesSz cx="6858000" cy="9144000"/>
   <p:embeddedFontLst>
     <p:embeddedFont>
+      <p:font typeface="Barlow Condensed" panose="020B0604020202020204" charset="0"/>
+      <p:regular r:id="rId15"/>
+      <p:bold r:id="rId16"/>
+      <p:italic r:id="rId17"/>
+      <p:boldItalic r:id="rId18"/>
+    </p:embeddedFont>
+    <p:embeddedFont>
+      <p:font typeface="Denk One" panose="020B0604020202020204" charset="0"/>
+      <p:regular r:id="rId19"/>
+    </p:embeddedFont>
+    <p:embeddedFont>
+      <p:font typeface="Fira Sans Extra Condensed" panose="020B0604020202020204" charset="0"/>
+      <p:regular r:id="rId20"/>
+      <p:bold r:id="rId21"/>
+      <p:italic r:id="rId22"/>
+      <p:boldItalic r:id="rId23"/>
+    </p:embeddedFont>
+    <p:embeddedFont>
       <p:font typeface="Barlow Semi Condensed" panose="020B0604020202020204" charset="0"/>
-      <p:regular r:id="rId14"/>
-      <p:bold r:id="rId15"/>
-      <p:italic r:id="rId16"/>
-      <p:boldItalic r:id="rId17"/>
+      <p:regular r:id="rId24"/>
+      <p:bold r:id="rId25"/>
+      <p:italic r:id="rId26"/>
+      <p:boldItalic r:id="rId27"/>
     </p:embeddedFont>
     <p:embeddedFont>
       <p:font typeface="Barlow" panose="020B0604020202020204" charset="0"/>
-      <p:regular r:id="rId18"/>
-      <p:bold r:id="rId19"/>
-      <p:italic r:id="rId20"/>
-      <p:boldItalic r:id="rId21"/>
-    </p:embeddedFont>
-    <p:embeddedFont>
-      <p:font typeface="Fira Sans Extra Condensed" panose="020B0604020202020204" charset="0"/>
-      <p:regular r:id="rId22"/>
-      <p:bold r:id="rId23"/>
-      <p:italic r:id="rId24"/>
-      <p:boldItalic r:id="rId25"/>
-    </p:embeddedFont>
-    <p:embeddedFont>
-      <p:font typeface="Denk One" panose="020B0604020202020204" charset="0"/>
-      <p:regular r:id="rId26"/>
-    </p:embeddedFont>
-    <p:embeddedFont>
-      <p:font typeface="Anton" panose="020B0604020202020204" charset="0"/>
-      <p:regular r:id="rId27"/>
-    </p:embeddedFont>
-    <p:embeddedFont>
-      <p:font typeface="Barlow Condensed" panose="020B0604020202020204" charset="0"/>
       <p:regular r:id="rId28"/>
       <p:bold r:id="rId29"/>
       <p:italic r:id="rId30"/>
       <p:boldItalic r:id="rId31"/>
     </p:embeddedFont>
     <p:embeddedFont>
+      <p:font typeface="Anton" panose="020B0604020202020204" charset="0"/>
+      <p:regular r:id="rId32"/>
+    </p:embeddedFont>
+    <p:embeddedFont>
       <p:font typeface="Barlow Semi Condensed Light" panose="020B0604020202020204" charset="0"/>
-      <p:regular r:id="rId32"/>
-      <p:bold r:id="rId33"/>
-      <p:italic r:id="rId34"/>
-      <p:boldItalic r:id="rId35"/>
+      <p:regular r:id="rId33"/>
+      <p:bold r:id="rId34"/>
+      <p:italic r:id="rId35"/>
+      <p:boldItalic r:id="rId36"/>
     </p:embeddedFont>
   </p:embeddedFontLst>
   <p:defaultTextStyle>
@@ -948,6 +949,115 @@
     </p:spTree>
     <p:extLst>
       <p:ext uri="{BB962C8B-B14F-4D97-AF65-F5344CB8AC3E}">
+        <p14:creationId xmlns:p14="http://schemas.microsoft.com/office/powerpoint/2010/main" val="2806383755"/>
+      </p:ext>
+    </p:extLst>
+  </p:cSld>
+  <p:clrMapOvr>
+    <a:masterClrMapping/>
+  </p:clrMapOvr>
+</p:notes>
+</file>
+
+<file path=ppt/notesSlides/notesSlide11.xml><?xml version="1.0" encoding="utf-8"?>
+<p:notes xmlns:a="http://schemas.openxmlformats.org/drawingml/2006/main" xmlns:r="http://schemas.openxmlformats.org/officeDocument/2006/relationships" xmlns:p="http://schemas.openxmlformats.org/presentationml/2006/main" showMasterSp="0" showMasterPhAnim="0">
+  <p:cSld>
+    <p:spTree>
+      <p:nvGrpSpPr>
+        <p:cNvPr id="1" name="Shape 384"/>
+        <p:cNvGrpSpPr/>
+        <p:nvPr/>
+      </p:nvGrpSpPr>
+      <p:grpSpPr>
+        <a:xfrm>
+          <a:off x="0" y="0"/>
+          <a:ext cx="0" cy="0"/>
+          <a:chOff x="0" y="0"/>
+          <a:chExt cx="0" cy="0"/>
+        </a:xfrm>
+      </p:grpSpPr>
+      <p:sp>
+        <p:nvSpPr>
+          <p:cNvPr id="385" name="Google Shape;385;g58d3b44f08_0_0:notes"/>
+          <p:cNvSpPr>
+            <a:spLocks noGrp="1" noRot="1" noChangeAspect="1"/>
+          </p:cNvSpPr>
+          <p:nvPr>
+            <p:ph type="sldImg" idx="2"/>
+          </p:nvPr>
+        </p:nvSpPr>
+        <p:spPr>
+          <a:xfrm>
+            <a:off x="381000" y="685800"/>
+            <a:ext cx="6096000" cy="3429000"/>
+          </a:xfrm>
+          <a:custGeom>
+            <a:avLst/>
+            <a:gdLst/>
+            <a:ahLst/>
+            <a:cxnLst/>
+            <a:rect l="l" t="t" r="r" b="b"/>
+            <a:pathLst>
+              <a:path w="120000" h="120000" extrusionOk="0">
+                <a:moveTo>
+                  <a:pt x="0" y="0"/>
+                </a:moveTo>
+                <a:lnTo>
+                  <a:pt x="120000" y="0"/>
+                </a:lnTo>
+                <a:lnTo>
+                  <a:pt x="120000" y="120000"/>
+                </a:lnTo>
+                <a:lnTo>
+                  <a:pt x="0" y="120000"/>
+                </a:lnTo>
+                <a:close/>
+              </a:path>
+            </a:pathLst>
+          </a:custGeom>
+        </p:spPr>
+      </p:sp>
+      <p:sp>
+        <p:nvSpPr>
+          <p:cNvPr id="386" name="Google Shape;386;g58d3b44f08_0_0:notes"/>
+          <p:cNvSpPr txBox="1">
+            <a:spLocks noGrp="1"/>
+          </p:cNvSpPr>
+          <p:nvPr>
+            <p:ph type="body" idx="1"/>
+          </p:nvPr>
+        </p:nvSpPr>
+        <p:spPr>
+          <a:xfrm>
+            <a:off x="685800" y="4343400"/>
+            <a:ext cx="5486400" cy="4114800"/>
+          </a:xfrm>
+          <a:prstGeom prst="rect">
+            <a:avLst/>
+          </a:prstGeom>
+        </p:spPr>
+        <p:txBody>
+          <a:bodyPr spcFirstLastPara="1" wrap="square" lIns="91425" tIns="91425" rIns="91425" bIns="91425" anchor="t" anchorCtr="0">
+            <a:noAutofit/>
+          </a:bodyPr>
+          <a:lstStyle/>
+          <a:p>
+            <a:pPr marL="0" lvl="0" indent="0" algn="l" rtl="0">
+              <a:spcBef>
+                <a:spcPts val="0"/>
+              </a:spcBef>
+              <a:spcAft>
+                <a:spcPts val="0"/>
+              </a:spcAft>
+              <a:buNone/>
+            </a:pPr>
+            <a:endParaRPr/>
+          </a:p>
+        </p:txBody>
+      </p:sp>
+    </p:spTree>
+    <p:extLst>
+      <p:ext uri="{BB962C8B-B14F-4D97-AF65-F5344CB8AC3E}">
         <p14:creationId xmlns:p14="http://schemas.microsoft.com/office/powerpoint/2010/main" val="28542143"/>
       </p:ext>
     </p:extLst>
@@ -958,7 +1068,7 @@
 </p:notes>
 </file>
 
-<file path=ppt/notesSlides/notesSlide11.xml><?xml version="1.0" encoding="utf-8"?>
+<file path=ppt/notesSlides/notesSlide12.xml><?xml version="1.0" encoding="utf-8"?>
 <p:notes xmlns:a="http://schemas.openxmlformats.org/drawingml/2006/main" xmlns:r="http://schemas.openxmlformats.org/officeDocument/2006/relationships" xmlns:p="http://schemas.openxmlformats.org/presentationml/2006/main" showMasterSp="0" showMasterPhAnim="0">
   <p:cSld>
     <p:spTree>
@@ -1810,7 +1920,7 @@
     </p:spTree>
     <p:extLst>
       <p:ext uri="{BB962C8B-B14F-4D97-AF65-F5344CB8AC3E}">
-        <p14:creationId xmlns:p14="http://schemas.microsoft.com/office/powerpoint/2010/main" val="2111020946"/>
+        <p14:creationId xmlns:p14="http://schemas.microsoft.com/office/powerpoint/2010/main" val="3744803561"/>
       </p:ext>
     </p:extLst>
   </p:cSld>
@@ -1919,7 +2029,7 @@
     </p:spTree>
     <p:extLst>
       <p:ext uri="{BB962C8B-B14F-4D97-AF65-F5344CB8AC3E}">
-        <p14:creationId xmlns:p14="http://schemas.microsoft.com/office/powerpoint/2010/main" val="2806383755"/>
+        <p14:creationId xmlns:p14="http://schemas.microsoft.com/office/powerpoint/2010/main" val="2111020946"/>
       </p:ext>
     </p:extLst>
   </p:cSld>
@@ -4781,7 +4891,16 @@
                 <a:cs typeface="Barlow Condensed"/>
                 <a:sym typeface="Barlow Condensed"/>
               </a:rPr>
-              <a:t>Nguyễn Xuân Hoàng</a:t>
+              <a:t>Xuân </a:t>
+            </a:r>
+            <a:r>
+              <a:rPr lang="es" smtClean="0">
+                <a:latin typeface="Barlow Condensed"/>
+                <a:ea typeface="Barlow Condensed"/>
+                <a:cs typeface="Barlow Condensed"/>
+                <a:sym typeface="Barlow Condensed"/>
+              </a:rPr>
+              <a:t>Hoàng</a:t>
             </a:r>
             <a:endParaRPr sz="1400">
               <a:latin typeface="Barlow Condensed"/>
@@ -4839,15 +4958,7 @@
                   <a:srgbClr val="FF7C3E"/>
                 </a:solidFill>
               </a:rPr>
-              <a:t>ABC </a:t>
-            </a:r>
-            <a:r>
-              <a:rPr lang="en-US" sz="5500" b="0" smtClean="0">
-                <a:solidFill>
-                  <a:srgbClr val="FF7C3E"/>
-                </a:solidFill>
-              </a:rPr>
-              <a:t>Shop</a:t>
+              <a:t>ABC Shop</a:t>
             </a:r>
             <a:endParaRPr sz="5500" b="0">
               <a:solidFill>
@@ -22014,6 +22125,13 @@
   <p:clrMapOvr>
     <a:masterClrMapping/>
   </p:clrMapOvr>
+  <p:timing>
+    <p:tnLst>
+      <p:par>
+        <p:cTn id="1" dur="indefinite" restart="never" nodeType="tmRoot"/>
+      </p:par>
+    </p:tnLst>
+  </p:timing>
 </p:sld>
 </file>
 
@@ -22083,7 +22201,140 @@
                 <a:latin typeface="Times New Roman" panose="02020603050405020304" pitchFamily="18" charset="0"/>
                 <a:cs typeface="Times New Roman" panose="02020603050405020304" pitchFamily="18" charset="0"/>
               </a:rPr>
-              <a:t>5. HƯỚNG MỞ RỘNG</a:t>
+              <a:t>5. </a:t>
+            </a:r>
+            <a:r>
+              <a:rPr lang="en-US" sz="4000" b="1" u="sng" smtClean="0">
+                <a:latin typeface="Times New Roman" panose="02020603050405020304" pitchFamily="18" charset="0"/>
+                <a:cs typeface="Times New Roman" panose="02020603050405020304" pitchFamily="18" charset="0"/>
+              </a:rPr>
+              <a:t>TỔNG QUAN CSDL</a:t>
+            </a:r>
+            <a:endParaRPr lang="vi-VN" sz="4000" b="1" u="sng">
+              <a:latin typeface="Times New Roman" panose="02020603050405020304" pitchFamily="18" charset="0"/>
+              <a:cs typeface="Times New Roman" panose="02020603050405020304" pitchFamily="18" charset="0"/>
+            </a:endParaRPr>
+          </a:p>
+        </p:txBody>
+      </p:sp>
+      <p:pic>
+        <p:nvPicPr>
+          <p:cNvPr id="2" name="Picture 1"/>
+          <p:cNvPicPr>
+            <a:picLocks noChangeAspect="1"/>
+          </p:cNvPicPr>
+          <p:nvPr/>
+        </p:nvPicPr>
+        <p:blipFill>
+          <a:blip r:embed="rId3"/>
+          <a:stretch>
+            <a:fillRect/>
+          </a:stretch>
+        </p:blipFill>
+        <p:spPr>
+          <a:xfrm>
+            <a:off x="1711922" y="946200"/>
+            <a:ext cx="6030152" cy="3498589"/>
+          </a:xfrm>
+          <a:prstGeom prst="rect">
+            <a:avLst/>
+          </a:prstGeom>
+        </p:spPr>
+      </p:pic>
+    </p:spTree>
+    <p:extLst>
+      <p:ext uri="{BB962C8B-B14F-4D97-AF65-F5344CB8AC3E}">
+        <p14:creationId xmlns:p14="http://schemas.microsoft.com/office/powerpoint/2010/main" val="97796419"/>
+      </p:ext>
+    </p:extLst>
+  </p:cSld>
+  <p:clrMapOvr>
+    <a:masterClrMapping/>
+  </p:clrMapOvr>
+  <p:timing>
+    <p:tnLst>
+      <p:par>
+        <p:cTn id="1" dur="indefinite" restart="never" nodeType="tmRoot"/>
+      </p:par>
+    </p:tnLst>
+  </p:timing>
+</p:sld>
+</file>
+
+<file path=ppt/slides/slide11.xml><?xml version="1.0" encoding="utf-8"?>
+<p:sld xmlns:a="http://schemas.openxmlformats.org/drawingml/2006/main" xmlns:r="http://schemas.openxmlformats.org/officeDocument/2006/relationships" xmlns:p="http://schemas.openxmlformats.org/presentationml/2006/main">
+  <p:cSld>
+    <p:bg>
+      <p:bgPr>
+        <a:solidFill>
+          <a:srgbClr val="A5DDDA">
+            <a:alpha val="71900"/>
+          </a:srgbClr>
+        </a:solidFill>
+        <a:effectLst/>
+      </p:bgPr>
+    </p:bg>
+    <p:spTree>
+      <p:nvGrpSpPr>
+        <p:cNvPr id="1" name="Shape 387"/>
+        <p:cNvGrpSpPr/>
+        <p:nvPr/>
+      </p:nvGrpSpPr>
+      <p:grpSpPr>
+        <a:xfrm>
+          <a:off x="0" y="0"/>
+          <a:ext cx="0" cy="0"/>
+          <a:chOff x="0" y="0"/>
+          <a:chExt cx="0" cy="0"/>
+        </a:xfrm>
+      </p:grpSpPr>
+      <p:sp>
+        <p:nvSpPr>
+          <p:cNvPr id="567" name="Google Shape;567;p25"/>
+          <p:cNvSpPr txBox="1">
+            <a:spLocks noGrp="1"/>
+          </p:cNvSpPr>
+          <p:nvPr>
+            <p:ph type="ctrTitle"/>
+          </p:nvPr>
+        </p:nvSpPr>
+        <p:spPr>
+          <a:xfrm>
+            <a:off x="1553792" y="0"/>
+            <a:ext cx="7590208" cy="946200"/>
+          </a:xfrm>
+          <a:prstGeom prst="rect">
+            <a:avLst/>
+          </a:prstGeom>
+        </p:spPr>
+        <p:txBody>
+          <a:bodyPr spcFirstLastPara="1" wrap="square" lIns="91425" tIns="91425" rIns="91425" bIns="91425" anchor="t" anchorCtr="0">
+            <a:noAutofit/>
+          </a:bodyPr>
+          <a:lstStyle/>
+          <a:p>
+            <a:pPr marL="0" lvl="0" indent="0" algn="l" rtl="0">
+              <a:spcBef>
+                <a:spcPts val="0"/>
+              </a:spcBef>
+              <a:spcAft>
+                <a:spcPts val="0"/>
+              </a:spcAft>
+              <a:buNone/>
+            </a:pPr>
+            <a:r>
+              <a:rPr lang="en-US" sz="4000" b="1" u="sng" smtClean="0">
+                <a:latin typeface="Times New Roman" panose="02020603050405020304" pitchFamily="18" charset="0"/>
+                <a:cs typeface="Times New Roman" panose="02020603050405020304" pitchFamily="18" charset="0"/>
+              </a:rPr>
+              <a:t>6. </a:t>
+            </a:r>
+            <a:r>
+              <a:rPr lang="en-US" sz="4000" b="1" u="sng" smtClean="0">
+                <a:latin typeface="Times New Roman" panose="02020603050405020304" pitchFamily="18" charset="0"/>
+                <a:cs typeface="Times New Roman" panose="02020603050405020304" pitchFamily="18" charset="0"/>
+              </a:rPr>
+              <a:t>HƯỚNG MỞ RỘNG</a:t>
             </a:r>
             <a:endParaRPr lang="vi-VN" sz="4000" b="1" u="sng">
               <a:latin typeface="Times New Roman" panose="02020603050405020304" pitchFamily="18" charset="0"/>
@@ -22217,7 +22468,7 @@
 </p:sld>
 </file>
 
-<file path=ppt/slides/slide11.xml><?xml version="1.0" encoding="utf-8"?>
+<file path=ppt/slides/slide12.xml><?xml version="1.0" encoding="utf-8"?>
 <p:sld xmlns:a="http://schemas.openxmlformats.org/drawingml/2006/main" xmlns:r="http://schemas.openxmlformats.org/officeDocument/2006/relationships" xmlns:p="http://schemas.openxmlformats.org/presentationml/2006/main">
   <p:cSld>
     <p:bg>
@@ -43561,6 +43812,13 @@
   <p:clrMapOvr>
     <a:masterClrMapping/>
   </p:clrMapOvr>
+  <p:timing>
+    <p:tnLst>
+      <p:par>
+        <p:cTn id="1" dur="indefinite" restart="never" nodeType="tmRoot"/>
+      </p:par>
+    </p:tnLst>
+  </p:timing>
 </p:sld>
 </file>
 
@@ -43713,6 +43971,13 @@
   <p:clrMapOvr>
     <a:masterClrMapping/>
   </p:clrMapOvr>
+  <p:timing>
+    <p:tnLst>
+      <p:par>
+        <p:cTn id="1" dur="indefinite" restart="never" nodeType="tmRoot"/>
+      </p:par>
+    </p:tnLst>
+  </p:timing>
 </p:sld>
 </file>
 
@@ -43796,7 +44061,14 @@
                 <a:latin typeface="Times New Roman" panose="02020603050405020304" pitchFamily="18" charset="0"/>
                 <a:cs typeface="Times New Roman" panose="02020603050405020304" pitchFamily="18" charset="0"/>
               </a:rPr>
-              <a:t>ỐI TƯỢNG SỬ DỤNG</a:t>
+              <a:t>ỐI TƯỢNG </a:t>
+            </a:r>
+            <a:r>
+              <a:rPr lang="en-US" sz="4000" b="1" u="sng" smtClean="0">
+                <a:latin typeface="Times New Roman" panose="02020603050405020304" pitchFamily="18" charset="0"/>
+                <a:cs typeface="Times New Roman" panose="02020603050405020304" pitchFamily="18" charset="0"/>
+              </a:rPr>
+              <a:t>HỆ THỐNG</a:t>
             </a:r>
             <a:endParaRPr lang="vi-VN" sz="4000" b="1" u="sng">
               <a:latin typeface="Times New Roman" panose="02020603050405020304" pitchFamily="18" charset="0"/>
@@ -43897,6 +44169,13 @@
   <p:clrMapOvr>
     <a:masterClrMapping/>
   </p:clrMapOvr>
+  <p:timing>
+    <p:tnLst>
+      <p:par>
+        <p:cTn id="1" dur="indefinite" restart="never" nodeType="tmRoot"/>
+      </p:par>
+    </p:tnLst>
+  </p:timing>
 </p:sld>
 </file>
 
@@ -44061,6 +44340,13 @@
   <p:clrMapOvr>
     <a:masterClrMapping/>
   </p:clrMapOvr>
+  <p:timing>
+    <p:tnLst>
+      <p:par>
+        <p:cTn id="1" dur="indefinite" restart="never" nodeType="tmRoot"/>
+      </p:par>
+    </p:tnLst>
+  </p:timing>
 </p:sld>
 </file>
 
@@ -44209,7 +44495,15 @@
             </a:pPr>
             <a:r>
               <a:rPr lang="en-US" sz="2000" smtClean="0"/>
-              <a:t>Xem ds sản phẩm, chi tiết sản phẩm</a:t>
+              <a:t>Xem </a:t>
+            </a:r>
+            <a:r>
+              <a:rPr lang="en-US" sz="2000" smtClean="0"/>
+              <a:t>danh sach </a:t>
+            </a:r>
+            <a:r>
+              <a:rPr lang="en-US" sz="2000" smtClean="0"/>
+              <a:t>sản phẩm, chi tiết sản phẩm</a:t>
             </a:r>
           </a:p>
           <a:p>
@@ -44264,6 +44558,13 @@
   <p:clrMapOvr>
     <a:masterClrMapping/>
   </p:clrMapOvr>
+  <p:timing>
+    <p:tnLst>
+      <p:par>
+        <p:cTn id="1" dur="indefinite" restart="never" nodeType="tmRoot"/>
+      </p:par>
+    </p:tnLst>
+  </p:timing>
 </p:sld>
 </file>
 
@@ -44437,6 +44738,13 @@
   <p:clrMapOvr>
     <a:masterClrMapping/>
   </p:clrMapOvr>
+  <p:timing>
+    <p:tnLst>
+      <p:par>
+        <p:cTn id="1" dur="indefinite" restart="never" nodeType="tmRoot"/>
+      </p:par>
+    </p:tnLst>
+  </p:timing>
 </p:sld>
 </file>
 
@@ -44649,6 +44957,13 @@
   <p:clrMapOvr>
     <a:masterClrMapping/>
   </p:clrMapOvr>
+  <p:timing>
+    <p:tnLst>
+      <p:par>
+        <p:cTn id="1" dur="indefinite" restart="never" nodeType="tmRoot"/>
+      </p:par>
+    </p:tnLst>
+  </p:timing>
 </p:sld>
 </file>
 
@@ -44714,11 +45029,18 @@
               <a:buNone/>
             </a:pPr>
             <a:r>
+              <a:rPr lang="en-US" sz="4000" b="1" u="sng">
+                <a:latin typeface="Times New Roman" panose="02020603050405020304" pitchFamily="18" charset="0"/>
+                <a:cs typeface="Times New Roman" panose="02020603050405020304" pitchFamily="18" charset="0"/>
+              </a:rPr>
+              <a:t>3</a:t>
+            </a:r>
+            <a:r>
               <a:rPr lang="en-US" sz="4000" b="1" u="sng" smtClean="0">
                 <a:latin typeface="Times New Roman" panose="02020603050405020304" pitchFamily="18" charset="0"/>
                 <a:cs typeface="Times New Roman" panose="02020603050405020304" pitchFamily="18" charset="0"/>
               </a:rPr>
-              <a:t>3. SƠ ĐỒ THỰC THỂ</a:t>
+              <a:t>. CÔNG NGHỆ SỬ DỤNG</a:t>
             </a:r>
             <a:endParaRPr lang="vi-VN" sz="4000" b="1" u="sng">
               <a:latin typeface="Times New Roman" panose="02020603050405020304" pitchFamily="18" charset="0"/>
@@ -44727,34 +45049,106 @@
           </a:p>
         </p:txBody>
       </p:sp>
-      <p:pic>
-        <p:nvPicPr>
-          <p:cNvPr id="4" name="Picture 3"/>
-          <p:cNvPicPr>
-            <a:picLocks noChangeAspect="1"/>
-          </p:cNvPicPr>
+      <p:sp>
+        <p:nvSpPr>
+          <p:cNvPr id="3" name="TextBox 2"/>
+          <p:cNvSpPr txBox="1"/>
           <p:nvPr/>
-        </p:nvPicPr>
-        <p:blipFill>
-          <a:blip r:embed="rId3"/>
-          <a:stretch>
-            <a:fillRect/>
-          </a:stretch>
-        </p:blipFill>
+        </p:nvSpPr>
         <p:spPr>
           <a:xfrm>
-            <a:off x="1698171" y="743001"/>
-            <a:ext cx="5461318" cy="3563144"/>
+            <a:off x="1553791" y="1010651"/>
+            <a:ext cx="6985191" cy="3477875"/>
           </a:xfrm>
           <a:prstGeom prst="rect">
             <a:avLst/>
           </a:prstGeom>
+          <a:noFill/>
         </p:spPr>
-      </p:pic>
+        <p:txBody>
+          <a:bodyPr wrap="square" rtlCol="0">
+            <a:spAutoFit/>
+          </a:bodyPr>
+          <a:lstStyle/>
+          <a:p>
+            <a:pPr marL="342900" indent="-342900">
+              <a:lnSpc>
+                <a:spcPct val="200000"/>
+              </a:lnSpc>
+              <a:buFont typeface="Arial" panose="020B0604020202020204" pitchFamily="34" charset="0"/>
+              <a:buChar char="•"/>
+            </a:pPr>
+            <a:r>
+              <a:rPr lang="en-US" sz="2000" smtClean="0"/>
+              <a:t>HTML</a:t>
+            </a:r>
+          </a:p>
+          <a:p>
+            <a:pPr marL="342900" indent="-342900">
+              <a:lnSpc>
+                <a:spcPct val="200000"/>
+              </a:lnSpc>
+              <a:buFont typeface="Arial" panose="020B0604020202020204" pitchFamily="34" charset="0"/>
+              <a:buChar char="•"/>
+            </a:pPr>
+            <a:r>
+              <a:rPr lang="en-US" sz="2000" smtClean="0"/>
+              <a:t>CSS</a:t>
+            </a:r>
+          </a:p>
+          <a:p>
+            <a:pPr marL="342900" indent="-342900">
+              <a:lnSpc>
+                <a:spcPct val="200000"/>
+              </a:lnSpc>
+              <a:buFont typeface="Arial" panose="020B0604020202020204" pitchFamily="34" charset="0"/>
+              <a:buChar char="•"/>
+            </a:pPr>
+            <a:r>
+              <a:rPr lang="en-US" sz="2000" smtClean="0"/>
+              <a:t>JavaScript</a:t>
+            </a:r>
+          </a:p>
+          <a:p>
+            <a:pPr marL="342900" indent="-342900">
+              <a:lnSpc>
+                <a:spcPct val="200000"/>
+              </a:lnSpc>
+              <a:buFont typeface="Arial" panose="020B0604020202020204" pitchFamily="34" charset="0"/>
+              <a:buChar char="•"/>
+            </a:pPr>
+            <a:r>
+              <a:rPr lang="en-US" sz="2000" smtClean="0"/>
+              <a:t>PHP</a:t>
+            </a:r>
+          </a:p>
+          <a:p>
+            <a:pPr marL="342900" indent="-342900">
+              <a:lnSpc>
+                <a:spcPct val="200000"/>
+              </a:lnSpc>
+              <a:buFont typeface="Arial" panose="020B0604020202020204" pitchFamily="34" charset="0"/>
+              <a:buChar char="•"/>
+            </a:pPr>
+            <a:r>
+              <a:rPr lang="en-US" sz="2000" smtClean="0"/>
+              <a:t>MySQL</a:t>
+            </a:r>
+            <a:endParaRPr lang="en-US" sz="2000" smtClean="0"/>
+          </a:p>
+          <a:p>
+            <a:pPr marL="342900" indent="-342900">
+              <a:buFont typeface="Arial" panose="020B0604020202020204" pitchFamily="34" charset="0"/>
+              <a:buChar char="•"/>
+            </a:pPr>
+            <a:endParaRPr lang="en-US" sz="2000"/>
+          </a:p>
+        </p:txBody>
+      </p:sp>
     </p:spTree>
     <p:extLst>
       <p:ext uri="{BB962C8B-B14F-4D97-AF65-F5344CB8AC3E}">
-        <p14:creationId xmlns:p14="http://schemas.microsoft.com/office/powerpoint/2010/main" val="960265027"/>
+        <p14:creationId xmlns:p14="http://schemas.microsoft.com/office/powerpoint/2010/main" val="2645584104"/>
       </p:ext>
     </p:extLst>
   </p:cSld>
@@ -44833,18 +45227,18 @@
               <a:buNone/>
             </a:pPr>
             <a:r>
-              <a:rPr lang="en-US" sz="4000" b="1" u="sng">
+              <a:rPr lang="en-US" sz="4000" b="1" u="sng" smtClean="0">
                 <a:latin typeface="Times New Roman" panose="02020603050405020304" pitchFamily="18" charset="0"/>
                 <a:cs typeface="Times New Roman" panose="02020603050405020304" pitchFamily="18" charset="0"/>
               </a:rPr>
-              <a:t>4</a:t>
+              <a:t>4. </a:t>
             </a:r>
             <a:r>
               <a:rPr lang="en-US" sz="4000" b="1" u="sng" smtClean="0">
                 <a:latin typeface="Times New Roman" panose="02020603050405020304" pitchFamily="18" charset="0"/>
                 <a:cs typeface="Times New Roman" panose="02020603050405020304" pitchFamily="18" charset="0"/>
               </a:rPr>
-              <a:t>. TỔNG QUAN CSDL</a:t>
+              <a:t>SƠ ĐỒ THỰC THỂ</a:t>
             </a:r>
             <a:endParaRPr lang="vi-VN" sz="4000" b="1" u="sng">
               <a:latin typeface="Times New Roman" panose="02020603050405020304" pitchFamily="18" charset="0"/>
@@ -44855,32 +45249,32 @@
       </p:sp>
       <p:pic>
         <p:nvPicPr>
-          <p:cNvPr id="5" name="image5.png"/>
-          <p:cNvPicPr/>
+          <p:cNvPr id="4" name="Picture 3"/>
+          <p:cNvPicPr>
+            <a:picLocks noChangeAspect="1"/>
+          </p:cNvPicPr>
           <p:nvPr/>
         </p:nvPicPr>
         <p:blipFill>
           <a:blip r:embed="rId3"/>
-          <a:srcRect/>
           <a:stretch>
             <a:fillRect/>
           </a:stretch>
         </p:blipFill>
         <p:spPr>
           <a:xfrm>
-            <a:off x="1683657" y="709342"/>
-            <a:ext cx="6120629" cy="3586888"/>
+            <a:off x="1698171" y="743001"/>
+            <a:ext cx="5461318" cy="3563144"/>
           </a:xfrm>
           <a:prstGeom prst="rect">
             <a:avLst/>
           </a:prstGeom>
-          <a:ln/>
         </p:spPr>
       </p:pic>
     </p:spTree>
     <p:extLst>
       <p:ext uri="{BB962C8B-B14F-4D97-AF65-F5344CB8AC3E}">
-        <p14:creationId xmlns:p14="http://schemas.microsoft.com/office/powerpoint/2010/main" val="97796419"/>
+        <p14:creationId xmlns:p14="http://schemas.microsoft.com/office/powerpoint/2010/main" val="960265027"/>
       </p:ext>
     </p:extLst>
   </p:cSld>

--- a/document/THUYẾT TRÌNH.pptx
+++ b/document/THUYẾT TRÌNH.pptx
@@ -25,43 +25,43 @@
   <p:notesSz cx="6858000" cy="9144000"/>
   <p:embeddedFontLst>
     <p:embeddedFont>
-      <p:font typeface="Barlow Condensed" panose="020B0604020202020204" charset="0"/>
+      <p:font typeface="Anton" panose="020B0604020202020204" charset="0"/>
       <p:regular r:id="rId15"/>
-      <p:bold r:id="rId16"/>
-      <p:italic r:id="rId17"/>
-      <p:boldItalic r:id="rId18"/>
     </p:embeddedFont>
     <p:embeddedFont>
       <p:font typeface="Denk One" panose="020B0604020202020204" charset="0"/>
-      <p:regular r:id="rId19"/>
+      <p:regular r:id="rId16"/>
+    </p:embeddedFont>
+    <p:embeddedFont>
+      <p:font typeface="Barlow" panose="020B0604020202020204" charset="0"/>
+      <p:regular r:id="rId17"/>
+      <p:bold r:id="rId18"/>
+      <p:italic r:id="rId19"/>
+      <p:boldItalic r:id="rId20"/>
+    </p:embeddedFont>
+    <p:embeddedFont>
+      <p:font typeface="Barlow Semi Condensed" panose="020B0604020202020204" charset="0"/>
+      <p:regular r:id="rId21"/>
+      <p:bold r:id="rId22"/>
+      <p:italic r:id="rId23"/>
+      <p:boldItalic r:id="rId24"/>
+    </p:embeddedFont>
+    <p:embeddedFont>
+      <p:font typeface="Barlow Semi Condensed Light" panose="020B0604020202020204" charset="0"/>
+      <p:regular r:id="rId25"/>
+      <p:bold r:id="rId26"/>
+      <p:italic r:id="rId27"/>
+      <p:boldItalic r:id="rId28"/>
     </p:embeddedFont>
     <p:embeddedFont>
       <p:font typeface="Fira Sans Extra Condensed" panose="020B0604020202020204" charset="0"/>
-      <p:regular r:id="rId20"/>
-      <p:bold r:id="rId21"/>
-      <p:italic r:id="rId22"/>
-      <p:boldItalic r:id="rId23"/>
+      <p:regular r:id="rId29"/>
+      <p:bold r:id="rId30"/>
+      <p:italic r:id="rId31"/>
+      <p:boldItalic r:id="rId32"/>
     </p:embeddedFont>
     <p:embeddedFont>
-      <p:font typeface="Barlow Semi Condensed" panose="020B0604020202020204" charset="0"/>
-      <p:regular r:id="rId24"/>
-      <p:bold r:id="rId25"/>
-      <p:italic r:id="rId26"/>
-      <p:boldItalic r:id="rId27"/>
-    </p:embeddedFont>
-    <p:embeddedFont>
-      <p:font typeface="Barlow" panose="020B0604020202020204" charset="0"/>
-      <p:regular r:id="rId28"/>
-      <p:bold r:id="rId29"/>
-      <p:italic r:id="rId30"/>
-      <p:boldItalic r:id="rId31"/>
-    </p:embeddedFont>
-    <p:embeddedFont>
-      <p:font typeface="Anton" panose="020B0604020202020204" charset="0"/>
-      <p:regular r:id="rId32"/>
-    </p:embeddedFont>
-    <p:embeddedFont>
-      <p:font typeface="Barlow Semi Condensed Light" panose="020B0604020202020204" charset="0"/>
+      <p:font typeface="Barlow Condensed" panose="020B0604020202020204" charset="0"/>
       <p:regular r:id="rId33"/>
       <p:bold r:id="rId34"/>
       <p:italic r:id="rId35"/>
@@ -4891,16 +4891,7 @@
                 <a:cs typeface="Barlow Condensed"/>
                 <a:sym typeface="Barlow Condensed"/>
               </a:rPr>
-              <a:t>Xuân </a:t>
-            </a:r>
-            <a:r>
-              <a:rPr lang="es" smtClean="0">
-                <a:latin typeface="Barlow Condensed"/>
-                <a:ea typeface="Barlow Condensed"/>
-                <a:cs typeface="Barlow Condensed"/>
-                <a:sym typeface="Barlow Condensed"/>
-              </a:rPr>
-              <a:t>Hoàng</a:t>
+              <a:t>Xuân Hoàng</a:t>
             </a:r>
             <a:endParaRPr sz="1400">
               <a:latin typeface="Barlow Condensed"/>
@@ -22201,14 +22192,7 @@
                 <a:latin typeface="Times New Roman" panose="02020603050405020304" pitchFamily="18" charset="0"/>
                 <a:cs typeface="Times New Roman" panose="02020603050405020304" pitchFamily="18" charset="0"/>
               </a:rPr>
-              <a:t>5. </a:t>
-            </a:r>
-            <a:r>
-              <a:rPr lang="en-US" sz="4000" b="1" u="sng" smtClean="0">
-                <a:latin typeface="Times New Roman" panose="02020603050405020304" pitchFamily="18" charset="0"/>
-                <a:cs typeface="Times New Roman" panose="02020603050405020304" pitchFamily="18" charset="0"/>
-              </a:rPr>
-              <a:t>TỔNG QUAN CSDL</a:t>
+              <a:t>5. TỔNG QUAN CSDL</a:t>
             </a:r>
             <a:endParaRPr lang="vi-VN" sz="4000" b="1" u="sng">
               <a:latin typeface="Times New Roman" panose="02020603050405020304" pitchFamily="18" charset="0"/>
@@ -22327,14 +22311,7 @@
                 <a:latin typeface="Times New Roman" panose="02020603050405020304" pitchFamily="18" charset="0"/>
                 <a:cs typeface="Times New Roman" panose="02020603050405020304" pitchFamily="18" charset="0"/>
               </a:rPr>
-              <a:t>6. </a:t>
-            </a:r>
-            <a:r>
-              <a:rPr lang="en-US" sz="4000" b="1" u="sng" smtClean="0">
-                <a:latin typeface="Times New Roman" panose="02020603050405020304" pitchFamily="18" charset="0"/>
-                <a:cs typeface="Times New Roman" panose="02020603050405020304" pitchFamily="18" charset="0"/>
-              </a:rPr>
-              <a:t>HƯỚNG MỞ RỘNG</a:t>
+              <a:t>6. HƯỚNG MỞ RỘNG</a:t>
             </a:r>
             <a:endParaRPr lang="vi-VN" sz="4000" b="1" u="sng">
               <a:latin typeface="Times New Roman" panose="02020603050405020304" pitchFamily="18" charset="0"/>
@@ -44061,14 +44038,7 @@
                 <a:latin typeface="Times New Roman" panose="02020603050405020304" pitchFamily="18" charset="0"/>
                 <a:cs typeface="Times New Roman" panose="02020603050405020304" pitchFamily="18" charset="0"/>
               </a:rPr>
-              <a:t>ỐI TƯỢNG </a:t>
-            </a:r>
-            <a:r>
-              <a:rPr lang="en-US" sz="4000" b="1" u="sng" smtClean="0">
-                <a:latin typeface="Times New Roman" panose="02020603050405020304" pitchFamily="18" charset="0"/>
-                <a:cs typeface="Times New Roman" panose="02020603050405020304" pitchFamily="18" charset="0"/>
-              </a:rPr>
-              <a:t>HỆ THỐNG</a:t>
+              <a:t>ỐI TƯỢNG HỆ THỐNG</a:t>
             </a:r>
             <a:endParaRPr lang="vi-VN" sz="4000" b="1" u="sng">
               <a:latin typeface="Times New Roman" panose="02020603050405020304" pitchFamily="18" charset="0"/>
@@ -44495,15 +44465,7 @@
             </a:pPr>
             <a:r>
               <a:rPr lang="en-US" sz="2000" smtClean="0"/>
-              <a:t>Xem </a:t>
-            </a:r>
-            <a:r>
-              <a:rPr lang="en-US" sz="2000" smtClean="0"/>
-              <a:t>danh sach </a:t>
-            </a:r>
-            <a:r>
-              <a:rPr lang="en-US" sz="2000" smtClean="0"/>
-              <a:t>sản phẩm, chi tiết sản phẩm</a:t>
+              <a:t>Xem danh sach sản phẩm, chi tiết sản phẩm</a:t>
             </a:r>
           </a:p>
           <a:p>
@@ -45134,7 +45096,6 @@
               <a:rPr lang="en-US" sz="2000" smtClean="0"/>
               <a:t>MySQL</a:t>
             </a:r>
-            <a:endParaRPr lang="en-US" sz="2000" smtClean="0"/>
           </a:p>
           <a:p>
             <a:pPr marL="342900" indent="-342900">
@@ -45231,14 +45192,7 @@
                 <a:latin typeface="Times New Roman" panose="02020603050405020304" pitchFamily="18" charset="0"/>
                 <a:cs typeface="Times New Roman" panose="02020603050405020304" pitchFamily="18" charset="0"/>
               </a:rPr>
-              <a:t>4. </a:t>
-            </a:r>
-            <a:r>
-              <a:rPr lang="en-US" sz="4000" b="1" u="sng" smtClean="0">
-                <a:latin typeface="Times New Roman" panose="02020603050405020304" pitchFamily="18" charset="0"/>
-                <a:cs typeface="Times New Roman" panose="02020603050405020304" pitchFamily="18" charset="0"/>
-              </a:rPr>
-              <a:t>SƠ ĐỒ THỰC THỂ</a:t>
+              <a:t>4. SƠ ĐỒ THỰC THỂ</a:t>
             </a:r>
             <a:endParaRPr lang="vi-VN" sz="4000" b="1" u="sng">
               <a:latin typeface="Times New Roman" panose="02020603050405020304" pitchFamily="18" charset="0"/>
@@ -45249,7 +45203,7 @@
       </p:sp>
       <p:pic>
         <p:nvPicPr>
-          <p:cNvPr id="4" name="Picture 3"/>
+          <p:cNvPr id="5" name="Picture 4"/>
           <p:cNvPicPr>
             <a:picLocks noChangeAspect="1"/>
           </p:cNvPicPr>
@@ -45263,8 +45217,8 @@
         </p:blipFill>
         <p:spPr>
           <a:xfrm>
-            <a:off x="1698171" y="743001"/>
-            <a:ext cx="5461318" cy="3563144"/>
+            <a:off x="1866900" y="804862"/>
+            <a:ext cx="5410200" cy="3533775"/>
           </a:xfrm>
           <a:prstGeom prst="rect">
             <a:avLst/>
